--- a/apresentacao/Magnifico Ponto - Mostra de Projetos Online.pptx
+++ b/apresentacao/Magnifico Ponto - Mostra de Projetos Online.pptx
@@ -3502,8 +3502,13 @@
           <a:p>
             <a:r>
               <a:rPr lang="pt-BR" dirty="0"/>
-              <a:t>Poder produzir algo útil que é traz benefício para os stakeholders.</a:t>
-            </a:r>
+              <a:t>Poder transformar a teoria </a:t>
+            </a:r>
+            <a:r>
+              <a:rPr lang="pt-BR"/>
+              <a:t>em prática.</a:t>
+            </a:r>
+            <a:endParaRPr lang="pt-BR" dirty="0"/>
           </a:p>
           <a:p>
             <a:r>
